--- a/Flask/APIs_Flask_clase.pptx
+++ b/Flask/APIs_Flask_clase.pptx
@@ -5,12 +5,15 @@
     <p:sldMasterId id="2147483648" r:id="rId1"/>
   </p:sldMasterIdLst>
   <p:notesMasterIdLst>
-    <p:notesMasterId r:id="rId5"/>
+    <p:notesMasterId r:id="rId8"/>
   </p:notesMasterIdLst>
   <p:sldIdLst>
     <p:sldId id="264" r:id="rId2"/>
     <p:sldId id="265" r:id="rId3"/>
     <p:sldId id="266" r:id="rId4"/>
+    <p:sldId id="267" r:id="rId5"/>
+    <p:sldId id="268" r:id="rId6"/>
+    <p:sldId id="269" r:id="rId7"/>
   </p:sldIdLst>
   <p:sldSz cx="12192000" cy="6858000"/>
   <p:notesSz cx="6858000" cy="9144000"/>
@@ -248,7 +251,7 @@
       <p15:sldGuideLst xmlns:p15="http://schemas.microsoft.com/office/powerpoint/2012/main"/>
     </p:ext>
     <p:ext uri="http://customooxmlschemas.google.com/">
-      <go:slidesCustomData xmlns="" xmlns:mc="http://schemas.openxmlformats.org/markup-compatibility/2006" xmlns:mv="urn:schemas-microsoft-com:mac:vml" xmlns:c="http://schemas.openxmlformats.org/drawingml/2006/chart" xmlns:dgm="http://schemas.openxmlformats.org/drawingml/2006/diagram" xmlns:o="urn:schemas-microsoft-com:office:office" xmlns:v="urn:schemas-microsoft-com:vml" xmlns:pvml="urn:schemas-microsoft-com:office:powerpoint" xmlns:com="http://schemas.openxmlformats.org/drawingml/2006/compatibility" xmlns:p14="http://schemas.microsoft.com/office/powerpoint/2010/main" xmlns:p15="http://schemas.microsoft.com/office/powerpoint/2012/main" xmlns:ahyp="http://schemas.microsoft.com/office/drawing/2018/hyperlinkcolor" xmlns:go="http://customooxmlschemas.google.com/" r:id="rId31" roundtripDataSignature="AMtx7mgy/g2kzqDHsxUDfSgVEZ3KxTeIlw=="/>
+      <go:slidesCustomData xmlns:go="http://customooxmlschemas.google.com/" xmlns:ahyp="http://schemas.microsoft.com/office/drawing/2018/hyperlinkcolor" xmlns:p15="http://schemas.microsoft.com/office/powerpoint/2012/main" xmlns:p14="http://schemas.microsoft.com/office/powerpoint/2010/main" xmlns:com="http://schemas.openxmlformats.org/drawingml/2006/compatibility" xmlns:pvml="urn:schemas-microsoft-com:office:powerpoint" xmlns:v="urn:schemas-microsoft-com:vml" xmlns:o="urn:schemas-microsoft-com:office:office" xmlns:dgm="http://schemas.openxmlformats.org/drawingml/2006/diagram" xmlns:c="http://schemas.openxmlformats.org/drawingml/2006/chart" xmlns:mv="urn:schemas-microsoft-com:mac:vml" xmlns:mc="http://schemas.openxmlformats.org/markup-compatibility/2006" xmlns="" r:id="rId31" roundtripDataSignature="AMtx7mgy/g2kzqDHsxUDfSgVEZ3KxTeIlw=="/>
     </p:ext>
   </p:extLst>
 </p:presentation>
@@ -2046,182 +2049,6 @@
             <a:fld id="{00000000-1234-1234-1234-123412341234}" type="slidenum">
               <a:rPr lang="en-GB"/>
               <a:t>2</a:t>
-            </a:fld>
-            <a:endParaRPr/>
-          </a:p>
-        </p:txBody>
-      </p:sp>
-    </p:spTree>
-  </p:cSld>
-  <p:clrMapOvr>
-    <a:masterClrMapping/>
-  </p:clrMapOvr>
-</p:notes>
-</file>
-
-<file path=ppt/notesSlides/notesSlide3.xml><?xml version="1.0" encoding="utf-8"?>
-<p:notes xmlns:a="http://schemas.openxmlformats.org/drawingml/2006/main" xmlns:r="http://schemas.openxmlformats.org/officeDocument/2006/relationships" xmlns:p="http://schemas.openxmlformats.org/presentationml/2006/main" showMasterSp="0" showMasterPhAnim="0">
-  <p:cSld>
-    <p:spTree>
-      <p:nvGrpSpPr>
-        <p:cNvPr id="1" name="Shape 216"/>
-        <p:cNvGrpSpPr/>
-        <p:nvPr/>
-      </p:nvGrpSpPr>
-      <p:grpSpPr>
-        <a:xfrm>
-          <a:off x="0" y="0"/>
-          <a:ext cx="0" cy="0"/>
-          <a:chOff x="0" y="0"/>
-          <a:chExt cx="0" cy="0"/>
-        </a:xfrm>
-      </p:grpSpPr>
-      <p:sp>
-        <p:nvSpPr>
-          <p:cNvPr id="217" name="Google Shape;217;gb1196812c9_0_0:notes"/>
-          <p:cNvSpPr>
-            <a:spLocks noGrp="1" noRot="1" noChangeAspect="1"/>
-          </p:cNvSpPr>
-          <p:nvPr>
-            <p:ph type="sldImg" idx="2"/>
-          </p:nvPr>
-        </p:nvSpPr>
-        <p:spPr>
-          <a:xfrm>
-            <a:off x="685800" y="1143000"/>
-            <a:ext cx="5486400" cy="3086100"/>
-          </a:xfrm>
-          <a:custGeom>
-            <a:avLst/>
-            <a:gdLst/>
-            <a:ahLst/>
-            <a:cxnLst/>
-            <a:rect l="l" t="t" r="r" b="b"/>
-            <a:pathLst>
-              <a:path w="120000" h="120000" extrusionOk="0">
-                <a:moveTo>
-                  <a:pt x="0" y="0"/>
-                </a:moveTo>
-                <a:lnTo>
-                  <a:pt x="120000" y="0"/>
-                </a:lnTo>
-                <a:lnTo>
-                  <a:pt x="120000" y="120000"/>
-                </a:lnTo>
-                <a:lnTo>
-                  <a:pt x="0" y="120000"/>
-                </a:lnTo>
-                <a:close/>
-              </a:path>
-            </a:pathLst>
-          </a:custGeom>
-          <a:noFill/>
-          <a:ln w="12700" cap="flat" cmpd="sng">
-            <a:solidFill>
-              <a:srgbClr val="000000"/>
-            </a:solidFill>
-            <a:prstDash val="solid"/>
-            <a:round/>
-            <a:headEnd type="none" w="sm" len="sm"/>
-            <a:tailEnd type="none" w="sm" len="sm"/>
-          </a:ln>
-        </p:spPr>
-      </p:sp>
-      <p:sp>
-        <p:nvSpPr>
-          <p:cNvPr id="218" name="Google Shape;218;gb1196812c9_0_0:notes"/>
-          <p:cNvSpPr txBox="1">
-            <a:spLocks noGrp="1"/>
-          </p:cNvSpPr>
-          <p:nvPr>
-            <p:ph type="body" idx="1"/>
-          </p:nvPr>
-        </p:nvSpPr>
-        <p:spPr>
-          <a:xfrm>
-            <a:off x="685800" y="4400550"/>
-            <a:ext cx="5486400" cy="3600600"/>
-          </a:xfrm>
-          <a:prstGeom prst="rect">
-            <a:avLst/>
-          </a:prstGeom>
-          <a:noFill/>
-          <a:ln>
-            <a:noFill/>
-          </a:ln>
-        </p:spPr>
-        <p:txBody>
-          <a:bodyPr spcFirstLastPara="1" wrap="square" lIns="91425" tIns="45700" rIns="91425" bIns="45700" anchor="t" anchorCtr="0">
-            <a:noAutofit/>
-          </a:bodyPr>
-          <a:lstStyle/>
-          <a:p>
-            <a:pPr marL="0" lvl="0" indent="0" algn="l" rtl="0">
-              <a:lnSpc>
-                <a:spcPct val="100000"/>
-              </a:lnSpc>
-              <a:spcBef>
-                <a:spcPts val="0"/>
-              </a:spcBef>
-              <a:spcAft>
-                <a:spcPts val="0"/>
-              </a:spcAft>
-              <a:buClr>
-                <a:schemeClr val="dk1"/>
-              </a:buClr>
-              <a:buSzPts val="1200"/>
-              <a:buFont typeface="Calibri"/>
-              <a:buNone/>
-            </a:pPr>
-            <a:endParaRPr/>
-          </a:p>
-        </p:txBody>
-      </p:sp>
-      <p:sp>
-        <p:nvSpPr>
-          <p:cNvPr id="219" name="Google Shape;219;gb1196812c9_0_0:notes"/>
-          <p:cNvSpPr txBox="1">
-            <a:spLocks noGrp="1"/>
-          </p:cNvSpPr>
-          <p:nvPr>
-            <p:ph type="sldNum" idx="12"/>
-          </p:nvPr>
-        </p:nvSpPr>
-        <p:spPr>
-          <a:xfrm>
-            <a:off x="3884613" y="8685213"/>
-            <a:ext cx="2971800" cy="458700"/>
-          </a:xfrm>
-          <a:prstGeom prst="rect">
-            <a:avLst/>
-          </a:prstGeom>
-          <a:noFill/>
-          <a:ln>
-            <a:noFill/>
-          </a:ln>
-        </p:spPr>
-        <p:txBody>
-          <a:bodyPr spcFirstLastPara="1" wrap="square" lIns="91425" tIns="45700" rIns="91425" bIns="45700" anchor="b" anchorCtr="0">
-            <a:noAutofit/>
-          </a:bodyPr>
-          <a:lstStyle/>
-          <a:p>
-            <a:pPr marL="0" lvl="0" indent="0" algn="r" rtl="0">
-              <a:lnSpc>
-                <a:spcPct val="100000"/>
-              </a:lnSpc>
-              <a:spcBef>
-                <a:spcPts val="0"/>
-              </a:spcBef>
-              <a:spcAft>
-                <a:spcPts val="0"/>
-              </a:spcAft>
-              <a:buSzPts val="1400"/>
-              <a:buNone/>
-            </a:pPr>
-            <a:fld id="{00000000-1234-1234-1234-123412341234}" type="slidenum">
-              <a:rPr lang="en-GB"/>
-              <a:t>3</a:t>
             </a:fld>
             <a:endParaRPr/>
           </a:p>
@@ -14013,7 +13840,7 @@
               <a:buSzPts val="1800"/>
               <a:buNone/>
             </a:pPr>
-            <a:endParaRPr sz="2400"/>
+            <a:endParaRPr sz="2400" dirty="0"/>
           </a:p>
           <a:p>
             <a:pPr marL="228600" lvl="0" indent="-50800" algn="l" rtl="0">
@@ -14032,7 +13859,7 @@
               <a:buSzPts val="2800"/>
               <a:buNone/>
             </a:pPr>
-            <a:endParaRPr/>
+            <a:endParaRPr dirty="0"/>
           </a:p>
         </p:txBody>
       </p:sp>
@@ -14549,131 +14376,8 @@
                 <a:cs typeface="Calibri"/>
                 <a:sym typeface="Calibri"/>
               </a:rPr>
-              <a:t>pip install flask</a:t>
+              <a:t>pip install Flask</a:t>
             </a:r>
-            <a:endParaRPr sz="1900" dirty="0">
-              <a:solidFill>
-                <a:schemeClr val="lt1"/>
-              </a:solidFill>
-              <a:latin typeface="Calibri"/>
-              <a:ea typeface="Calibri"/>
-              <a:cs typeface="Calibri"/>
-              <a:sym typeface="Calibri"/>
-            </a:endParaRPr>
-          </a:p>
-          <a:p>
-            <a:pPr marL="0" marR="0" lvl="0" indent="0" algn="l" rtl="0">
-              <a:lnSpc>
-                <a:spcPct val="100000"/>
-              </a:lnSpc>
-              <a:spcBef>
-                <a:spcPts val="0"/>
-              </a:spcBef>
-              <a:spcAft>
-                <a:spcPts val="0"/>
-              </a:spcAft>
-              <a:buNone/>
-            </a:pPr>
-            <a:r>
-              <a:rPr lang="en-GB" sz="1900" dirty="0" err="1">
-                <a:solidFill>
-                  <a:schemeClr val="lt1"/>
-                </a:solidFill>
-                <a:latin typeface="Calibri"/>
-                <a:ea typeface="Calibri"/>
-                <a:cs typeface="Calibri"/>
-                <a:sym typeface="Calibri"/>
-              </a:rPr>
-              <a:t>Viene</a:t>
-            </a:r>
-            <a:r>
-              <a:rPr lang="en-GB" sz="1900" dirty="0">
-                <a:solidFill>
-                  <a:schemeClr val="lt1"/>
-                </a:solidFill>
-                <a:latin typeface="Calibri"/>
-                <a:ea typeface="Calibri"/>
-                <a:cs typeface="Calibri"/>
-                <a:sym typeface="Calibri"/>
-              </a:rPr>
-              <a:t> </a:t>
-            </a:r>
-            <a:r>
-              <a:rPr lang="en-GB" sz="1900" dirty="0" err="1">
-                <a:solidFill>
-                  <a:schemeClr val="lt1"/>
-                </a:solidFill>
-                <a:latin typeface="Calibri"/>
-                <a:ea typeface="Calibri"/>
-                <a:cs typeface="Calibri"/>
-                <a:sym typeface="Calibri"/>
-              </a:rPr>
-              <a:t>instalado</a:t>
-            </a:r>
-            <a:r>
-              <a:rPr lang="en-GB" sz="1900" dirty="0">
-                <a:solidFill>
-                  <a:schemeClr val="lt1"/>
-                </a:solidFill>
-                <a:latin typeface="Calibri"/>
-                <a:ea typeface="Calibri"/>
-                <a:cs typeface="Calibri"/>
-                <a:sym typeface="Calibri"/>
-              </a:rPr>
-              <a:t> </a:t>
-            </a:r>
-            <a:r>
-              <a:rPr lang="en-GB" sz="1900" dirty="0" err="1">
-                <a:solidFill>
-                  <a:schemeClr val="lt1"/>
-                </a:solidFill>
-                <a:latin typeface="Calibri"/>
-                <a:ea typeface="Calibri"/>
-                <a:cs typeface="Calibri"/>
-                <a:sym typeface="Calibri"/>
-              </a:rPr>
-              <a:t>en</a:t>
-            </a:r>
-            <a:r>
-              <a:rPr lang="en-GB" sz="1900" dirty="0">
-                <a:solidFill>
-                  <a:schemeClr val="lt1"/>
-                </a:solidFill>
-                <a:latin typeface="Calibri"/>
-                <a:ea typeface="Calibri"/>
-                <a:cs typeface="Calibri"/>
-                <a:sym typeface="Calibri"/>
-              </a:rPr>
-              <a:t> Anaconda</a:t>
-            </a:r>
-            <a:endParaRPr sz="1900" dirty="0">
-              <a:solidFill>
-                <a:schemeClr val="lt1"/>
-              </a:solidFill>
-              <a:latin typeface="Calibri"/>
-              <a:ea typeface="Calibri"/>
-              <a:cs typeface="Calibri"/>
-              <a:sym typeface="Calibri"/>
-            </a:endParaRPr>
-          </a:p>
-          <a:p>
-            <a:pPr marL="0" marR="0" lvl="0" indent="0" algn="l" rtl="0">
-              <a:lnSpc>
-                <a:spcPct val="100000"/>
-              </a:lnSpc>
-              <a:spcBef>
-                <a:spcPts val="0"/>
-              </a:spcBef>
-              <a:spcAft>
-                <a:spcPts val="0"/>
-              </a:spcAft>
-              <a:buClr>
-                <a:srgbClr val="000000"/>
-              </a:buClr>
-              <a:buSzPts val="1900"/>
-              <a:buFont typeface="Arial"/>
-              <a:buNone/>
-            </a:pPr>
             <a:endParaRPr sz="1900" b="0" i="0" u="none" strike="noStrike" cap="none" dirty="0">
               <a:solidFill>
                 <a:schemeClr val="lt1"/>
@@ -15217,7 +14921,7 @@
   <p:cSld>
     <p:spTree>
       <p:nvGrpSpPr>
-        <p:cNvPr id="1" name="Shape 220"/>
+        <p:cNvPr id="1" name=""/>
         <p:cNvGrpSpPr/>
         <p:nvPr/>
       </p:nvGrpSpPr>
@@ -15231,8 +14935,14 @@
       </p:grpSpPr>
       <p:sp>
         <p:nvSpPr>
-          <p:cNvPr id="221" name="Google Shape;221;gb1196812c9_0_0"/>
-          <p:cNvSpPr txBox="1">
+          <p:cNvPr id="3" name="Marcador de texto 2">
+            <a:extLst>
+              <a:ext uri="{FF2B5EF4-FFF2-40B4-BE49-F238E27FC236}">
+                <a16:creationId xmlns:a16="http://schemas.microsoft.com/office/drawing/2014/main" id="{1E2A74F5-9CEB-4791-BC7E-2547DC8A8058}"/>
+              </a:ext>
+            </a:extLst>
+          </p:cNvPr>
+          <p:cNvSpPr>
             <a:spLocks noGrp="1"/>
           </p:cNvSpPr>
           <p:nvPr>
@@ -15241,229 +14951,872 @@
         </p:nvSpPr>
         <p:spPr>
           <a:xfrm>
-            <a:off x="838203" y="1690836"/>
-            <a:ext cx="5257800" cy="3822000"/>
+            <a:off x="831850" y="699247"/>
+            <a:ext cx="6151656" cy="5390403"/>
+          </a:xfrm>
+        </p:spPr>
+        <p:txBody>
+          <a:bodyPr>
+            <a:normAutofit lnSpcReduction="10000"/>
+          </a:bodyPr>
+          <a:lstStyle/>
+          <a:p>
+            <a:r>
+              <a:rPr lang="es-ES" dirty="0"/>
+              <a:t>¿Qué es </a:t>
+            </a:r>
+            <a:r>
+              <a:rPr lang="es-ES" dirty="0" err="1"/>
+              <a:t>Flask</a:t>
+            </a:r>
+            <a:r>
+              <a:rPr lang="es-ES" dirty="0"/>
+              <a:t>?</a:t>
+            </a:r>
+          </a:p>
+          <a:p>
+            <a:r>
+              <a:rPr lang="es-ES" dirty="0" err="1"/>
+              <a:t>Flask</a:t>
+            </a:r>
+            <a:r>
+              <a:rPr lang="es-ES" dirty="0"/>
+              <a:t> es un micro </a:t>
+            </a:r>
+            <a:r>
+              <a:rPr lang="es-ES" dirty="0" err="1"/>
+              <a:t>framework</a:t>
+            </a:r>
+            <a:r>
+              <a:rPr lang="es-ES" dirty="0"/>
+              <a:t> web escrito en Python. Está diseñado para ser ligero y fácil de usar, por lo que es una opción popular para la construcción de pequeñas y medianas aplicaciones web.</a:t>
+            </a:r>
+          </a:p>
+          <a:p>
+            <a:r>
+              <a:rPr lang="es-ES" dirty="0"/>
+              <a:t>Una de las características clave de </a:t>
+            </a:r>
+            <a:r>
+              <a:rPr lang="es-ES" dirty="0" err="1"/>
+              <a:t>Flask</a:t>
+            </a:r>
+            <a:r>
+              <a:rPr lang="es-ES" dirty="0"/>
+              <a:t> es su simplicidad. A diferencia de otros </a:t>
+            </a:r>
+            <a:r>
+              <a:rPr lang="es-ES" dirty="0" err="1"/>
+              <a:t>frameworks</a:t>
+            </a:r>
+            <a:r>
+              <a:rPr lang="es-ES" dirty="0"/>
+              <a:t> web que vienen con un montón de funcionalidad incorporada, </a:t>
+            </a:r>
+            <a:r>
+              <a:rPr lang="es-ES" dirty="0" err="1"/>
+              <a:t>Flask</a:t>
+            </a:r>
+            <a:r>
+              <a:rPr lang="es-ES" dirty="0"/>
+              <a:t> proporciona sólo lo esencial necesario para construir una aplicación web. Esto permite a los desarrolladores tener más control sobre su código y hace que sea más fácil de aprender y usar.</a:t>
+            </a:r>
+          </a:p>
+        </p:txBody>
+      </p:sp>
+      <p:pic>
+        <p:nvPicPr>
+          <p:cNvPr id="1028" name="Picture 4">
+            <a:extLst>
+              <a:ext uri="{FF2B5EF4-FFF2-40B4-BE49-F238E27FC236}">
+                <a16:creationId xmlns:a16="http://schemas.microsoft.com/office/drawing/2014/main" id="{D6F8D98D-29AF-4210-B638-4107D4FE90ED}"/>
+              </a:ext>
+            </a:extLst>
+          </p:cNvPr>
+          <p:cNvPicPr>
+            <a:picLocks noChangeAspect="1" noChangeArrowheads="1"/>
+          </p:cNvPicPr>
+          <p:nvPr/>
+        </p:nvPicPr>
+        <p:blipFill>
+          <a:blip r:embed="rId2">
+            <a:extLst>
+              <a:ext uri="{28A0092B-C50C-407E-A947-70E740481C1C}">
+                <a14:useLocalDpi xmlns:a14="http://schemas.microsoft.com/office/drawing/2010/main" val="0"/>
+              </a:ext>
+            </a:extLst>
+          </a:blip>
+          <a:srcRect/>
+          <a:stretch>
+            <a:fillRect/>
+          </a:stretch>
+        </p:blipFill>
+        <p:spPr bwMode="auto">
+          <a:xfrm>
+            <a:off x="7090267" y="3102639"/>
+            <a:ext cx="3446432" cy="933170"/>
           </a:xfrm>
           <a:prstGeom prst="rect">
             <a:avLst/>
           </a:prstGeom>
           <a:noFill/>
-          <a:ln>
-            <a:noFill/>
-          </a:ln>
+          <a:extLst>
+            <a:ext uri="{909E8E84-426E-40DD-AFC4-6F175D3DCCD1}">
+              <a14:hiddenFill xmlns:a14="http://schemas.microsoft.com/office/drawing/2010/main">
+                <a:solidFill>
+                  <a:srgbClr val="FFFFFF"/>
+                </a:solidFill>
+              </a14:hiddenFill>
+            </a:ext>
+          </a:extLst>
         </p:spPr>
-        <p:txBody>
-          <a:bodyPr spcFirstLastPara="1" wrap="square" lIns="91425" tIns="45700" rIns="91425" bIns="45700" anchor="t" anchorCtr="0">
-            <a:noAutofit/>
-          </a:bodyPr>
-          <a:lstStyle/>
-          <a:p>
-            <a:pPr marL="0" lvl="0" indent="0" algn="l" rtl="0">
-              <a:lnSpc>
-                <a:spcPct val="90000"/>
-              </a:lnSpc>
-              <a:spcBef>
-                <a:spcPts val="1000"/>
-              </a:spcBef>
-              <a:spcAft>
-                <a:spcPts val="0"/>
-              </a:spcAft>
-              <a:buSzPts val="1800"/>
-              <a:buNone/>
-            </a:pPr>
-            <a:endParaRPr sz="2400"/>
-          </a:p>
-          <a:p>
-            <a:pPr marL="228600" lvl="0" indent="-50800" algn="l" rtl="0">
-              <a:lnSpc>
-                <a:spcPct val="90000"/>
-              </a:lnSpc>
-              <a:spcBef>
-                <a:spcPts val="1000"/>
-              </a:spcBef>
-              <a:spcAft>
-                <a:spcPts val="0"/>
-              </a:spcAft>
-              <a:buClr>
-                <a:schemeClr val="lt1"/>
-              </a:buClr>
-              <a:buSzPts val="2800"/>
-              <a:buNone/>
-            </a:pPr>
-            <a:endParaRPr/>
-          </a:p>
-        </p:txBody>
-      </p:sp>
-      <p:sp>
-        <p:nvSpPr>
-          <p:cNvPr id="222" name="Google Shape;222;gb1196812c9_0_0"/>
-          <p:cNvSpPr txBox="1"/>
+      </p:pic>
+      <p:pic>
+        <p:nvPicPr>
+          <p:cNvPr id="1030" name="Picture 6">
+            <a:extLst>
+              <a:ext uri="{FF2B5EF4-FFF2-40B4-BE49-F238E27FC236}">
+                <a16:creationId xmlns:a16="http://schemas.microsoft.com/office/drawing/2014/main" id="{B0E477D2-9D19-41F2-94D3-0E2F0A26BDC1}"/>
+              </a:ext>
+            </a:extLst>
+          </p:cNvPr>
+          <p:cNvPicPr>
+            <a:picLocks noChangeAspect="1" noChangeArrowheads="1"/>
+          </p:cNvPicPr>
           <p:nvPr/>
-        </p:nvSpPr>
-        <p:spPr>
+        </p:nvPicPr>
+        <p:blipFill>
+          <a:blip r:embed="rId3">
+            <a:extLst>
+              <a:ext uri="{28A0092B-C50C-407E-A947-70E740481C1C}">
+                <a14:useLocalDpi xmlns:a14="http://schemas.microsoft.com/office/drawing/2010/main" val="0"/>
+              </a:ext>
+            </a:extLst>
+          </a:blip>
+          <a:srcRect/>
+          <a:stretch>
+            <a:fillRect/>
+          </a:stretch>
+        </p:blipFill>
+        <p:spPr bwMode="auto">
           <a:xfrm>
-            <a:off x="838200" y="1477225"/>
-            <a:ext cx="10203900" cy="3570000"/>
+            <a:off x="6883118" y="1571345"/>
+            <a:ext cx="3429000" cy="1438275"/>
           </a:xfrm>
           <a:prstGeom prst="rect">
             <a:avLst/>
           </a:prstGeom>
           <a:noFill/>
-          <a:ln>
-            <a:noFill/>
-          </a:ln>
+          <a:extLst>
+            <a:ext uri="{909E8E84-426E-40DD-AFC4-6F175D3DCCD1}">
+              <a14:hiddenFill xmlns:a14="http://schemas.microsoft.com/office/drawing/2010/main">
+                <a:solidFill>
+                  <a:srgbClr val="FFFFFF"/>
+                </a:solidFill>
+              </a14:hiddenFill>
+            </a:ext>
+          </a:extLst>
+        </p:spPr>
+      </p:pic>
+      <p:pic>
+        <p:nvPicPr>
+          <p:cNvPr id="1032" name="Picture 8">
+            <a:extLst>
+              <a:ext uri="{FF2B5EF4-FFF2-40B4-BE49-F238E27FC236}">
+                <a16:creationId xmlns:a16="http://schemas.microsoft.com/office/drawing/2014/main" id="{B7A38EF3-F7F2-4F9B-BB70-5620CAB8CA01}"/>
+              </a:ext>
+            </a:extLst>
+          </p:cNvPr>
+          <p:cNvPicPr>
+            <a:picLocks noChangeAspect="1" noChangeArrowheads="1"/>
+          </p:cNvPicPr>
+          <p:nvPr/>
+        </p:nvPicPr>
+        <p:blipFill>
+          <a:blip r:embed="rId4">
+            <a:extLst>
+              <a:ext uri="{28A0092B-C50C-407E-A947-70E740481C1C}">
+                <a14:useLocalDpi xmlns:a14="http://schemas.microsoft.com/office/drawing/2010/main" val="0"/>
+              </a:ext>
+            </a:extLst>
+          </a:blip>
+          <a:srcRect/>
+          <a:stretch>
+            <a:fillRect/>
+          </a:stretch>
+        </p:blipFill>
+        <p:spPr bwMode="auto">
+          <a:xfrm>
+            <a:off x="7913718" y="4408961"/>
+            <a:ext cx="3153896" cy="948264"/>
+          </a:xfrm>
+          <a:prstGeom prst="rect">
+            <a:avLst/>
+          </a:prstGeom>
+          <a:noFill/>
+          <a:extLst>
+            <a:ext uri="{909E8E84-426E-40DD-AFC4-6F175D3DCCD1}">
+              <a14:hiddenFill xmlns:a14="http://schemas.microsoft.com/office/drawing/2010/main">
+                <a:solidFill>
+                  <a:srgbClr val="FFFFFF"/>
+                </a:solidFill>
+              </a14:hiddenFill>
+            </a:ext>
+          </a:extLst>
+        </p:spPr>
+      </p:pic>
+    </p:spTree>
+    <p:extLst>
+      <p:ext uri="{BB962C8B-B14F-4D97-AF65-F5344CB8AC3E}">
+        <p14:creationId xmlns:p14="http://schemas.microsoft.com/office/powerpoint/2010/main" val="2571715522"/>
+      </p:ext>
+    </p:extLst>
+  </p:cSld>
+  <p:clrMapOvr>
+    <a:masterClrMapping/>
+  </p:clrMapOvr>
+</p:sld>
+</file>
+
+<file path=ppt/slides/slide4.xml><?xml version="1.0" encoding="utf-8"?>
+<p:sld xmlns:a="http://schemas.openxmlformats.org/drawingml/2006/main" xmlns:r="http://schemas.openxmlformats.org/officeDocument/2006/relationships" xmlns:p="http://schemas.openxmlformats.org/presentationml/2006/main">
+  <p:cSld>
+    <p:spTree>
+      <p:nvGrpSpPr>
+        <p:cNvPr id="1" name=""/>
+        <p:cNvGrpSpPr/>
+        <p:nvPr/>
+      </p:nvGrpSpPr>
+      <p:grpSpPr>
+        <a:xfrm>
+          <a:off x="0" y="0"/>
+          <a:ext cx="0" cy="0"/>
+          <a:chOff x="0" y="0"/>
+          <a:chExt cx="0" cy="0"/>
+        </a:xfrm>
+      </p:grpSpPr>
+      <p:sp>
+        <p:nvSpPr>
+          <p:cNvPr id="3" name="Marcador de texto 2">
+            <a:extLst>
+              <a:ext uri="{FF2B5EF4-FFF2-40B4-BE49-F238E27FC236}">
+                <a16:creationId xmlns:a16="http://schemas.microsoft.com/office/drawing/2014/main" id="{25967E1B-4330-4D92-9F81-4C74BE0ADF9D}"/>
+              </a:ext>
+            </a:extLst>
+          </p:cNvPr>
+          <p:cNvSpPr>
+            <a:spLocks noGrp="1"/>
+          </p:cNvSpPr>
+          <p:nvPr>
+            <p:ph type="body" idx="1"/>
+          </p:nvPr>
+        </p:nvSpPr>
+        <p:spPr>
+          <a:xfrm>
+            <a:off x="831850" y="833719"/>
+            <a:ext cx="5882715" cy="5255932"/>
+          </a:xfrm>
         </p:spPr>
         <p:txBody>
-          <a:bodyPr spcFirstLastPara="1" wrap="square" lIns="91425" tIns="91425" rIns="91425" bIns="91425" anchor="ctr" anchorCtr="0">
-            <a:noAutofit/>
+          <a:bodyPr/>
+          <a:lstStyle/>
+          <a:p>
+            <a:r>
+              <a:rPr lang="es-ES" dirty="0"/>
+              <a:t>Primeros pasos con </a:t>
+            </a:r>
+            <a:r>
+              <a:rPr lang="es-ES" dirty="0" err="1"/>
+              <a:t>Flask</a:t>
+            </a:r>
+            <a:endParaRPr lang="es-ES" dirty="0"/>
+          </a:p>
+          <a:p>
+            <a:r>
+              <a:rPr lang="es-ES" dirty="0"/>
+              <a:t>Configurar una aplicación </a:t>
+            </a:r>
+            <a:r>
+              <a:rPr lang="es-ES" dirty="0" err="1"/>
+              <a:t>Flask</a:t>
+            </a:r>
+            <a:r>
+              <a:rPr lang="es-ES" dirty="0"/>
+              <a:t> es relativamente sencillo. El primer paso es instalar </a:t>
+            </a:r>
+            <a:r>
+              <a:rPr lang="es-ES" dirty="0" err="1"/>
+              <a:t>Flask</a:t>
+            </a:r>
+            <a:r>
+              <a:rPr lang="es-ES" dirty="0"/>
+              <a:t> usando </a:t>
+            </a:r>
+            <a:r>
+              <a:rPr lang="es-ES" dirty="0" err="1"/>
+              <a:t>pip</a:t>
+            </a:r>
+            <a:r>
+              <a:rPr lang="es-ES" dirty="0"/>
+              <a:t>, que es el instalador de paquetes para Python. Una vez instalado </a:t>
+            </a:r>
+            <a:r>
+              <a:rPr lang="es-ES" dirty="0" err="1"/>
+              <a:t>Flask</a:t>
+            </a:r>
+            <a:r>
+              <a:rPr lang="es-ES" dirty="0"/>
+              <a:t>, puede crear un nuevo proyecto </a:t>
+            </a:r>
+            <a:r>
+              <a:rPr lang="es-ES" dirty="0" err="1"/>
+              <a:t>Flask</a:t>
+            </a:r>
+            <a:r>
+              <a:rPr lang="es-ES" dirty="0"/>
+              <a:t> creando un nuevo archivo Python e importando el módulo </a:t>
+            </a:r>
+            <a:r>
+              <a:rPr lang="es-ES" dirty="0" err="1"/>
+              <a:t>Flask</a:t>
+            </a:r>
+            <a:r>
+              <a:rPr lang="es-ES" dirty="0"/>
+              <a:t>.</a:t>
+            </a:r>
+          </a:p>
+          <a:p>
+            <a:r>
+              <a:rPr lang="es-ES" dirty="0"/>
+              <a:t>A partir de ahí, puede definir rutas para su aplicación y empezar a construir su proyecto. </a:t>
+            </a:r>
+            <a:r>
+              <a:rPr lang="es-ES" dirty="0" err="1"/>
+              <a:t>Flask</a:t>
+            </a:r>
+            <a:r>
+              <a:rPr lang="es-ES" dirty="0"/>
+              <a:t> también incluye un servidor de desarrollo integrado, que facilita la prueba de su aplicación a medida que la construye.</a:t>
+            </a:r>
+          </a:p>
+        </p:txBody>
+      </p:sp>
+      <p:pic>
+        <p:nvPicPr>
+          <p:cNvPr id="2050" name="Picture 2" descr="When you are really a back end developer but you market yourself as full  stack | Unfinished Horse Drawing / Flaming Horse Rating | Know Your Meme">
+            <a:extLst>
+              <a:ext uri="{FF2B5EF4-FFF2-40B4-BE49-F238E27FC236}">
+                <a16:creationId xmlns:a16="http://schemas.microsoft.com/office/drawing/2014/main" id="{BB4F0730-C36F-4569-BECE-4180E142C9E7}"/>
+              </a:ext>
+            </a:extLst>
+          </p:cNvPr>
+          <p:cNvPicPr>
+            <a:picLocks noChangeAspect="1" noChangeArrowheads="1"/>
+          </p:cNvPicPr>
+          <p:nvPr/>
+        </p:nvPicPr>
+        <p:blipFill>
+          <a:blip r:embed="rId2">
+            <a:extLst>
+              <a:ext uri="{28A0092B-C50C-407E-A947-70E740481C1C}">
+                <a14:useLocalDpi xmlns:a14="http://schemas.microsoft.com/office/drawing/2010/main" val="0"/>
+              </a:ext>
+            </a:extLst>
+          </a:blip>
+          <a:srcRect/>
+          <a:stretch>
+            <a:fillRect/>
+          </a:stretch>
+        </p:blipFill>
+        <p:spPr bwMode="auto">
+          <a:xfrm>
+            <a:off x="6920752" y="553196"/>
+            <a:ext cx="4701231" cy="4664519"/>
+          </a:xfrm>
+          <a:prstGeom prst="rect">
+            <a:avLst/>
+          </a:prstGeom>
+          <a:noFill/>
+          <a:extLst>
+            <a:ext uri="{909E8E84-426E-40DD-AFC4-6F175D3DCCD1}">
+              <a14:hiddenFill xmlns:a14="http://schemas.microsoft.com/office/drawing/2010/main">
+                <a:solidFill>
+                  <a:srgbClr val="FFFFFF"/>
+                </a:solidFill>
+              </a14:hiddenFill>
+            </a:ext>
+          </a:extLst>
+        </p:spPr>
+      </p:pic>
+    </p:spTree>
+    <p:extLst>
+      <p:ext uri="{BB962C8B-B14F-4D97-AF65-F5344CB8AC3E}">
+        <p14:creationId xmlns:p14="http://schemas.microsoft.com/office/powerpoint/2010/main" val="2158720127"/>
+      </p:ext>
+    </p:extLst>
+  </p:cSld>
+  <p:clrMapOvr>
+    <a:masterClrMapping/>
+  </p:clrMapOvr>
+</p:sld>
+</file>
+
+<file path=ppt/slides/slide5.xml><?xml version="1.0" encoding="utf-8"?>
+<p:sld xmlns:a="http://schemas.openxmlformats.org/drawingml/2006/main" xmlns:r="http://schemas.openxmlformats.org/officeDocument/2006/relationships" xmlns:p="http://schemas.openxmlformats.org/presentationml/2006/main">
+  <p:cSld>
+    <p:spTree>
+      <p:nvGrpSpPr>
+        <p:cNvPr id="1" name=""/>
+        <p:cNvGrpSpPr/>
+        <p:nvPr/>
+      </p:nvGrpSpPr>
+      <p:grpSpPr>
+        <a:xfrm>
+          <a:off x="0" y="0"/>
+          <a:ext cx="0" cy="0"/>
+          <a:chOff x="0" y="0"/>
+          <a:chExt cx="0" cy="0"/>
+        </a:xfrm>
+      </p:grpSpPr>
+      <p:sp>
+        <p:nvSpPr>
+          <p:cNvPr id="3" name="Marcador de texto 2">
+            <a:extLst>
+              <a:ext uri="{FF2B5EF4-FFF2-40B4-BE49-F238E27FC236}">
+                <a16:creationId xmlns:a16="http://schemas.microsoft.com/office/drawing/2014/main" id="{F9838295-4CBD-4D61-8C66-0931E5036064}"/>
+              </a:ext>
+            </a:extLst>
+          </p:cNvPr>
+          <p:cNvSpPr>
+            <a:spLocks noGrp="1"/>
+          </p:cNvSpPr>
+          <p:nvPr>
+            <p:ph type="body" idx="1"/>
+          </p:nvPr>
+        </p:nvSpPr>
+        <p:spPr>
+          <a:xfrm>
+            <a:off x="6524438" y="430306"/>
+            <a:ext cx="5470338" cy="5659345"/>
+          </a:xfrm>
+        </p:spPr>
+        <p:txBody>
+          <a:bodyPr>
+            <a:normAutofit/>
           </a:bodyPr>
           <a:lstStyle/>
           <a:p>
-            <a:pPr marL="0" marR="0" lvl="0" indent="0" algn="ctr" rtl="0">
-              <a:lnSpc>
-                <a:spcPct val="100000"/>
-              </a:lnSpc>
-              <a:spcBef>
-                <a:spcPts val="0"/>
-              </a:spcBef>
-              <a:spcAft>
-                <a:spcPts val="0"/>
-              </a:spcAft>
-              <a:buNone/>
-            </a:pPr>
             <a:r>
-              <a:rPr lang="es-ES" sz="4300" dirty="0">
-                <a:solidFill>
-                  <a:schemeClr val="lt1"/>
-                </a:solidFill>
-                <a:latin typeface="Calibri"/>
-                <a:ea typeface="Calibri"/>
-                <a:cs typeface="Calibri"/>
-                <a:sym typeface="Calibri"/>
-              </a:rPr>
-              <a:t>Taller </a:t>
+              <a:rPr lang="es-ES" dirty="0"/>
+              <a:t>Plantillas </a:t>
             </a:r>
             <a:r>
-              <a:rPr lang="es-ES" sz="4300" dirty="0" err="1">
-                <a:solidFill>
-                  <a:schemeClr val="lt1"/>
-                </a:solidFill>
-                <a:latin typeface="Calibri"/>
-                <a:ea typeface="Calibri"/>
-                <a:cs typeface="Calibri"/>
-                <a:sym typeface="Calibri"/>
-              </a:rPr>
+              <a:rPr lang="es-ES" dirty="0" err="1"/>
+              <a:t>Flask</a:t>
+            </a:r>
+            <a:endParaRPr lang="es-ES" dirty="0"/>
+          </a:p>
+          <a:p>
+            <a:r>
+              <a:rPr lang="es-ES" dirty="0" err="1"/>
               <a:t>Flask</a:t>
             </a:r>
             <a:r>
-              <a:rPr lang="es-ES" sz="4300" dirty="0">
-                <a:solidFill>
-                  <a:schemeClr val="lt1"/>
-                </a:solidFill>
-                <a:latin typeface="Calibri"/>
-                <a:ea typeface="Calibri"/>
-                <a:cs typeface="Calibri"/>
-                <a:sym typeface="Calibri"/>
-              </a:rPr>
-              <a:t>-API Local</a:t>
+              <a:rPr lang="es-ES" dirty="0"/>
+              <a:t> utiliza plantillas para renderizar páginas HTML dinámicas. Las plantillas permiten separar la lógica de presentación de la lógica de aplicación, lo que facilita el mantenimiento y la actualización del código.</a:t>
             </a:r>
-            <a:endParaRPr sz="4300" dirty="0">
-              <a:solidFill>
-                <a:schemeClr val="lt1"/>
-              </a:solidFill>
-              <a:latin typeface="Calibri"/>
-              <a:ea typeface="Calibri"/>
-              <a:cs typeface="Calibri"/>
-              <a:sym typeface="Calibri"/>
-            </a:endParaRPr>
           </a:p>
           <a:p>
-            <a:pPr marL="0" marR="0" lvl="0" indent="0" algn="l" rtl="0">
-              <a:lnSpc>
-                <a:spcPct val="100000"/>
-              </a:lnSpc>
-              <a:spcBef>
-                <a:spcPts val="0"/>
-              </a:spcBef>
-              <a:spcAft>
-                <a:spcPts val="0"/>
-              </a:spcAft>
-              <a:buClr>
-                <a:srgbClr val="000000"/>
-              </a:buClr>
-              <a:buSzPts val="1900"/>
-              <a:buFont typeface="Arial"/>
-              <a:buNone/>
-            </a:pPr>
-            <a:endParaRPr sz="1900" b="0" i="0" u="none" strike="noStrike" cap="none" dirty="0">
-              <a:solidFill>
-                <a:schemeClr val="lt1"/>
-              </a:solidFill>
-              <a:latin typeface="Calibri"/>
-              <a:ea typeface="Calibri"/>
-              <a:cs typeface="Calibri"/>
-              <a:sym typeface="Calibri"/>
-            </a:endParaRPr>
-          </a:p>
-          <a:p>
-            <a:pPr marL="0" marR="0" lvl="0" indent="0" algn="l" rtl="0">
-              <a:lnSpc>
-                <a:spcPct val="100000"/>
-              </a:lnSpc>
-              <a:spcBef>
-                <a:spcPts val="0"/>
-              </a:spcBef>
-              <a:spcAft>
-                <a:spcPts val="0"/>
-              </a:spcAft>
-              <a:buClr>
-                <a:srgbClr val="000000"/>
-              </a:buClr>
-              <a:buSzPts val="1900"/>
-              <a:buFont typeface="Arial"/>
-              <a:buNone/>
-            </a:pPr>
-            <a:endParaRPr sz="1900" b="0" i="0" u="none" strike="noStrike" cap="none" dirty="0">
-              <a:solidFill>
-                <a:schemeClr val="lt1"/>
-              </a:solidFill>
-              <a:latin typeface="Calibri"/>
-              <a:ea typeface="Calibri"/>
-              <a:cs typeface="Calibri"/>
-              <a:sym typeface="Calibri"/>
-            </a:endParaRPr>
-          </a:p>
-          <a:p>
-            <a:pPr marL="0" marR="0" lvl="0" indent="0" algn="l" rtl="0">
-              <a:lnSpc>
-                <a:spcPct val="100000"/>
-              </a:lnSpc>
-              <a:spcBef>
-                <a:spcPts val="0"/>
-              </a:spcBef>
-              <a:spcAft>
-                <a:spcPts val="0"/>
-              </a:spcAft>
-              <a:buClr>
-                <a:srgbClr val="000000"/>
-              </a:buClr>
-              <a:buSzPts val="1900"/>
-              <a:buFont typeface="Arial"/>
-              <a:buNone/>
-            </a:pPr>
-            <a:endParaRPr sz="1900" b="0" i="0" u="none" strike="noStrike" cap="none" dirty="0">
-              <a:solidFill>
-                <a:schemeClr val="lt1"/>
-              </a:solidFill>
-              <a:latin typeface="Calibri"/>
-              <a:ea typeface="Calibri"/>
-              <a:cs typeface="Calibri"/>
-              <a:sym typeface="Calibri"/>
-            </a:endParaRPr>
+            <a:r>
+              <a:rPr lang="es-ES" dirty="0" err="1"/>
+              <a:t>Flask</a:t>
+            </a:r>
+            <a:r>
+              <a:rPr lang="es-ES" dirty="0"/>
+              <a:t> soporta una variedad de motores de plantillas, incluyendo Jinja2 y </a:t>
+            </a:r>
+            <a:r>
+              <a:rPr lang="es-ES" dirty="0" err="1"/>
+              <a:t>Mako</a:t>
+            </a:r>
+            <a:r>
+              <a:rPr lang="es-ES" dirty="0"/>
+              <a:t>. Estos motores proporcionan una sintaxis simple para definir plantillas y le permiten incorporar fácilmente contenido dinámico en sus páginas web.</a:t>
+            </a:r>
           </a:p>
         </p:txBody>
       </p:sp>
+      <p:pic>
+        <p:nvPicPr>
+          <p:cNvPr id="3074" name="Picture 2" descr="HTML IS NOT A PROGRAMMING LANGUAGE! - 9GAG">
+            <a:extLst>
+              <a:ext uri="{FF2B5EF4-FFF2-40B4-BE49-F238E27FC236}">
+                <a16:creationId xmlns:a16="http://schemas.microsoft.com/office/drawing/2014/main" id="{AFA6842D-248A-45E0-AD95-834B76CEC8F4}"/>
+              </a:ext>
+            </a:extLst>
+          </p:cNvPr>
+          <p:cNvPicPr>
+            <a:picLocks noChangeAspect="1" noChangeArrowheads="1"/>
+          </p:cNvPicPr>
+          <p:nvPr/>
+        </p:nvPicPr>
+        <p:blipFill>
+          <a:blip r:embed="rId2">
+            <a:extLst>
+              <a:ext uri="{28A0092B-C50C-407E-A947-70E740481C1C}">
+                <a14:useLocalDpi xmlns:a14="http://schemas.microsoft.com/office/drawing/2010/main" val="0"/>
+              </a:ext>
+            </a:extLst>
+          </a:blip>
+          <a:srcRect/>
+          <a:stretch>
+            <a:fillRect/>
+          </a:stretch>
+        </p:blipFill>
+        <p:spPr bwMode="auto">
+          <a:xfrm>
+            <a:off x="527623" y="349623"/>
+            <a:ext cx="5834376" cy="5659345"/>
+          </a:xfrm>
+          <a:prstGeom prst="rect">
+            <a:avLst/>
+          </a:prstGeom>
+          <a:noFill/>
+          <a:extLst>
+            <a:ext uri="{909E8E84-426E-40DD-AFC4-6F175D3DCCD1}">
+              <a14:hiddenFill xmlns:a14="http://schemas.microsoft.com/office/drawing/2010/main">
+                <a:solidFill>
+                  <a:srgbClr val="FFFFFF"/>
+                </a:solidFill>
+              </a14:hiddenFill>
+            </a:ext>
+          </a:extLst>
+        </p:spPr>
+      </p:pic>
     </p:spTree>
+    <p:extLst>
+      <p:ext uri="{BB962C8B-B14F-4D97-AF65-F5344CB8AC3E}">
+        <p14:creationId xmlns:p14="http://schemas.microsoft.com/office/powerpoint/2010/main" val="4252901916"/>
+      </p:ext>
+    </p:extLst>
+  </p:cSld>
+  <p:clrMapOvr>
+    <a:masterClrMapping/>
+  </p:clrMapOvr>
+</p:sld>
+</file>
+
+<file path=ppt/slides/slide6.xml><?xml version="1.0" encoding="utf-8"?>
+<p:sld xmlns:a="http://schemas.openxmlformats.org/drawingml/2006/main" xmlns:r="http://schemas.openxmlformats.org/officeDocument/2006/relationships" xmlns:p="http://schemas.openxmlformats.org/presentationml/2006/main">
+  <p:cSld>
+    <p:spTree>
+      <p:nvGrpSpPr>
+        <p:cNvPr id="1" name=""/>
+        <p:cNvGrpSpPr/>
+        <p:nvPr/>
+      </p:nvGrpSpPr>
+      <p:grpSpPr>
+        <a:xfrm>
+          <a:off x="0" y="0"/>
+          <a:ext cx="0" cy="0"/>
+          <a:chOff x="0" y="0"/>
+          <a:chExt cx="0" cy="0"/>
+        </a:xfrm>
+      </p:grpSpPr>
+      <p:sp>
+        <p:nvSpPr>
+          <p:cNvPr id="3" name="Marcador de texto 2">
+            <a:extLst>
+              <a:ext uri="{FF2B5EF4-FFF2-40B4-BE49-F238E27FC236}">
+                <a16:creationId xmlns:a16="http://schemas.microsoft.com/office/drawing/2014/main" id="{33566C25-F292-40A5-9D51-8EE22BCFA836}"/>
+              </a:ext>
+            </a:extLst>
+          </p:cNvPr>
+          <p:cNvSpPr>
+            <a:spLocks noGrp="1"/>
+          </p:cNvSpPr>
+          <p:nvPr>
+            <p:ph type="body" idx="1"/>
+          </p:nvPr>
+        </p:nvSpPr>
+        <p:spPr>
+          <a:xfrm>
+            <a:off x="831850" y="466165"/>
+            <a:ext cx="5577915" cy="5623485"/>
+          </a:xfrm>
+        </p:spPr>
+        <p:txBody>
+          <a:bodyPr>
+            <a:normAutofit lnSpcReduction="10000"/>
+          </a:bodyPr>
+          <a:lstStyle/>
+          <a:p>
+            <a:r>
+              <a:rPr lang="es-ES" dirty="0"/>
+              <a:t>Despliegue de </a:t>
+            </a:r>
+            <a:r>
+              <a:rPr lang="es-ES" dirty="0" err="1"/>
+              <a:t>Flask</a:t>
+            </a:r>
+            <a:endParaRPr lang="es-ES" dirty="0"/>
+          </a:p>
+          <a:p>
+            <a:r>
+              <a:rPr lang="es-ES" dirty="0"/>
+              <a:t>Desplegar una aplicación </a:t>
+            </a:r>
+            <a:r>
+              <a:rPr lang="es-ES" dirty="0" err="1"/>
+              <a:t>Flask</a:t>
+            </a:r>
+            <a:r>
+              <a:rPr lang="es-ES" dirty="0"/>
+              <a:t> en un entorno de producción puede ser un poco más complicado que configurar un entorno de desarrollo. Sin embargo, hay varias herramientas disponibles para facilitar el proceso, como Docker y </a:t>
+            </a:r>
+            <a:r>
+              <a:rPr lang="es-ES" dirty="0" err="1"/>
+              <a:t>Heroku</a:t>
+            </a:r>
+            <a:r>
+              <a:rPr lang="es-ES" dirty="0"/>
+              <a:t>, </a:t>
+            </a:r>
+            <a:r>
+              <a:rPr lang="es-ES" dirty="0" err="1"/>
+              <a:t>Pythonanywhere</a:t>
+            </a:r>
+            <a:r>
+              <a:rPr lang="es-ES" dirty="0"/>
+              <a:t>.</a:t>
+            </a:r>
+          </a:p>
+          <a:p>
+            <a:r>
+              <a:rPr lang="es-ES" dirty="0"/>
+              <a:t>Al desplegar una aplicación </a:t>
+            </a:r>
+            <a:r>
+              <a:rPr lang="es-ES" dirty="0" err="1"/>
+              <a:t>Flask</a:t>
+            </a:r>
+            <a:r>
+              <a:rPr lang="es-ES" dirty="0"/>
+              <a:t>, es importante tener en cuenta factores como la seguridad, la escalabilidad y el rendimiento. </a:t>
+            </a:r>
+            <a:r>
+              <a:rPr lang="es-ES" dirty="0" err="1"/>
+              <a:t>Flask</a:t>
+            </a:r>
+            <a:r>
+              <a:rPr lang="es-ES" dirty="0"/>
+              <a:t> incluye soporte integrado para el manejo seguro de cookies y se puede integrar fácilmente con herramientas como NGINX y </a:t>
+            </a:r>
+            <a:r>
+              <a:rPr lang="es-ES" dirty="0" err="1"/>
+              <a:t>Gunicorn</a:t>
+            </a:r>
+            <a:r>
+              <a:rPr lang="es-ES" dirty="0"/>
+              <a:t> para mejorar el rendimiento y la escalabilidad.</a:t>
+            </a:r>
+          </a:p>
+        </p:txBody>
+      </p:sp>
+      <p:pic>
+        <p:nvPicPr>
+          <p:cNvPr id="4098" name="Picture 2" descr="Jorge Iván Fernández Castellanos - Desarrollador de front-end - Cognizant |  LinkedIn">
+            <a:extLst>
+              <a:ext uri="{FF2B5EF4-FFF2-40B4-BE49-F238E27FC236}">
+                <a16:creationId xmlns:a16="http://schemas.microsoft.com/office/drawing/2014/main" id="{8678DE86-03B2-46F2-B0D4-2EAA23B00608}"/>
+              </a:ext>
+            </a:extLst>
+          </p:cNvPr>
+          <p:cNvPicPr>
+            <a:picLocks noChangeAspect="1" noChangeArrowheads="1"/>
+          </p:cNvPicPr>
+          <p:nvPr/>
+        </p:nvPicPr>
+        <p:blipFill>
+          <a:blip r:embed="rId2">
+            <a:extLst>
+              <a:ext uri="{28A0092B-C50C-407E-A947-70E740481C1C}">
+                <a14:useLocalDpi xmlns:a14="http://schemas.microsoft.com/office/drawing/2010/main" val="0"/>
+              </a:ext>
+            </a:extLst>
+          </a:blip>
+          <a:srcRect/>
+          <a:stretch>
+            <a:fillRect/>
+          </a:stretch>
+        </p:blipFill>
+        <p:spPr bwMode="auto">
+          <a:xfrm>
+            <a:off x="7133946" y="644339"/>
+            <a:ext cx="2352675" cy="1714500"/>
+          </a:xfrm>
+          <a:prstGeom prst="rect">
+            <a:avLst/>
+          </a:prstGeom>
+          <a:noFill/>
+          <a:extLst>
+            <a:ext uri="{909E8E84-426E-40DD-AFC4-6F175D3DCCD1}">
+              <a14:hiddenFill xmlns:a14="http://schemas.microsoft.com/office/drawing/2010/main">
+                <a:solidFill>
+                  <a:srgbClr val="FFFFFF"/>
+                </a:solidFill>
+              </a14:hiddenFill>
+            </a:ext>
+          </a:extLst>
+        </p:spPr>
+      </p:pic>
+      <p:pic>
+        <p:nvPicPr>
+          <p:cNvPr id="4100" name="Picture 4" descr="Deployment is fast - Buzz and Woody (Toy Story) Meme | Make a Meme">
+            <a:extLst>
+              <a:ext uri="{FF2B5EF4-FFF2-40B4-BE49-F238E27FC236}">
+                <a16:creationId xmlns:a16="http://schemas.microsoft.com/office/drawing/2014/main" id="{B301D2BB-F561-4446-84E5-E0ED84FE1D91}"/>
+              </a:ext>
+            </a:extLst>
+          </p:cNvPr>
+          <p:cNvPicPr>
+            <a:picLocks noChangeAspect="1" noChangeArrowheads="1"/>
+          </p:cNvPicPr>
+          <p:nvPr/>
+        </p:nvPicPr>
+        <p:blipFill>
+          <a:blip r:embed="rId3">
+            <a:extLst>
+              <a:ext uri="{28A0092B-C50C-407E-A947-70E740481C1C}">
+                <a14:useLocalDpi xmlns:a14="http://schemas.microsoft.com/office/drawing/2010/main" val="0"/>
+              </a:ext>
+            </a:extLst>
+          </a:blip>
+          <a:srcRect/>
+          <a:stretch>
+            <a:fillRect/>
+          </a:stretch>
+        </p:blipFill>
+        <p:spPr bwMode="auto">
+          <a:xfrm>
+            <a:off x="8664388" y="2157133"/>
+            <a:ext cx="2895600" cy="1581150"/>
+          </a:xfrm>
+          <a:prstGeom prst="rect">
+            <a:avLst/>
+          </a:prstGeom>
+          <a:noFill/>
+          <a:extLst>
+            <a:ext uri="{909E8E84-426E-40DD-AFC4-6F175D3DCCD1}">
+              <a14:hiddenFill xmlns:a14="http://schemas.microsoft.com/office/drawing/2010/main">
+                <a:solidFill>
+                  <a:srgbClr val="FFFFFF"/>
+                </a:solidFill>
+              </a14:hiddenFill>
+            </a:ext>
+          </a:extLst>
+        </p:spPr>
+      </p:pic>
+      <p:pic>
+        <p:nvPicPr>
+          <p:cNvPr id="4102" name="Picture 6" descr="Brace yourselves another deployment is coming - Brace Yourself - Game of  Thrones Meme | Make a Meme">
+            <a:extLst>
+              <a:ext uri="{FF2B5EF4-FFF2-40B4-BE49-F238E27FC236}">
+                <a16:creationId xmlns:a16="http://schemas.microsoft.com/office/drawing/2014/main" id="{5A785A22-A5FB-4EE1-A8F1-21095F53DC13}"/>
+              </a:ext>
+            </a:extLst>
+          </p:cNvPr>
+          <p:cNvPicPr>
+            <a:picLocks noChangeAspect="1" noChangeArrowheads="1"/>
+          </p:cNvPicPr>
+          <p:nvPr/>
+        </p:nvPicPr>
+        <p:blipFill>
+          <a:blip r:embed="rId4">
+            <a:extLst>
+              <a:ext uri="{28A0092B-C50C-407E-A947-70E740481C1C}">
+                <a14:useLocalDpi xmlns:a14="http://schemas.microsoft.com/office/drawing/2010/main" val="0"/>
+              </a:ext>
+            </a:extLst>
+          </a:blip>
+          <a:srcRect/>
+          <a:stretch>
+            <a:fillRect/>
+          </a:stretch>
+        </p:blipFill>
+        <p:spPr bwMode="auto">
+          <a:xfrm>
+            <a:off x="7001994" y="3190315"/>
+            <a:ext cx="1876425" cy="1714500"/>
+          </a:xfrm>
+          <a:prstGeom prst="rect">
+            <a:avLst/>
+          </a:prstGeom>
+          <a:noFill/>
+          <a:extLst>
+            <a:ext uri="{909E8E84-426E-40DD-AFC4-6F175D3DCCD1}">
+              <a14:hiddenFill xmlns:a14="http://schemas.microsoft.com/office/drawing/2010/main">
+                <a:solidFill>
+                  <a:srgbClr val="FFFFFF"/>
+                </a:solidFill>
+              </a14:hiddenFill>
+            </a:ext>
+          </a:extLst>
+        </p:spPr>
+      </p:pic>
+      <p:pic>
+        <p:nvPicPr>
+          <p:cNvPr id="4104" name="Picture 8" descr="Meme Maker - Manual deployment failed Please tell me more Meme Generator!">
+            <a:extLst>
+              <a:ext uri="{FF2B5EF4-FFF2-40B4-BE49-F238E27FC236}">
+                <a16:creationId xmlns:a16="http://schemas.microsoft.com/office/drawing/2014/main" id="{29BE4864-5F91-4EBF-9735-E93AEA1BEFE2}"/>
+              </a:ext>
+            </a:extLst>
+          </p:cNvPr>
+          <p:cNvPicPr>
+            <a:picLocks noChangeAspect="1" noChangeArrowheads="1"/>
+          </p:cNvPicPr>
+          <p:nvPr/>
+        </p:nvPicPr>
+        <p:blipFill>
+          <a:blip r:embed="rId5">
+            <a:extLst>
+              <a:ext uri="{28A0092B-C50C-407E-A947-70E740481C1C}">
+                <a14:useLocalDpi xmlns:a14="http://schemas.microsoft.com/office/drawing/2010/main" val="0"/>
+              </a:ext>
+            </a:extLst>
+          </a:blip>
+          <a:srcRect/>
+          <a:stretch>
+            <a:fillRect/>
+          </a:stretch>
+        </p:blipFill>
+        <p:spPr bwMode="auto">
+          <a:xfrm>
+            <a:off x="8502650" y="4739809"/>
+            <a:ext cx="2857500" cy="1609725"/>
+          </a:xfrm>
+          <a:prstGeom prst="rect">
+            <a:avLst/>
+          </a:prstGeom>
+          <a:noFill/>
+          <a:extLst>
+            <a:ext uri="{909E8E84-426E-40DD-AFC4-6F175D3DCCD1}">
+              <a14:hiddenFill xmlns:a14="http://schemas.microsoft.com/office/drawing/2010/main">
+                <a:solidFill>
+                  <a:srgbClr val="FFFFFF"/>
+                </a:solidFill>
+              </a14:hiddenFill>
+            </a:ext>
+          </a:extLst>
+        </p:spPr>
+      </p:pic>
+    </p:spTree>
+    <p:extLst>
+      <p:ext uri="{BB962C8B-B14F-4D97-AF65-F5344CB8AC3E}">
+        <p14:creationId xmlns:p14="http://schemas.microsoft.com/office/powerpoint/2010/main" val="217649333"/>
+      </p:ext>
+    </p:extLst>
   </p:cSld>
   <p:clrMapOvr>
     <a:masterClrMapping/>
